--- a/teaching/expdes/plots.pptx
+++ b/teaching/expdes/plots.pptx
@@ -286,7 +286,7 @@
           <a:p>
             <a:fld id="{38AB4F8A-57AC-2245-A0B3-734C2C3A732A}" type="datetimeFigureOut">
               <a:rPr lang="en-US" smtClean="0"/>
-              <a:t>2/3/20</a:t>
+              <a:t>2/4/20</a:t>
             </a:fld>
             <a:endParaRPr lang="en-US"/>
           </a:p>
@@ -484,7 +484,7 @@
           <a:p>
             <a:fld id="{38AB4F8A-57AC-2245-A0B3-734C2C3A732A}" type="datetimeFigureOut">
               <a:rPr lang="en-US" smtClean="0"/>
-              <a:t>2/3/20</a:t>
+              <a:t>2/4/20</a:t>
             </a:fld>
             <a:endParaRPr lang="en-US"/>
           </a:p>
@@ -692,7 +692,7 @@
           <a:p>
             <a:fld id="{38AB4F8A-57AC-2245-A0B3-734C2C3A732A}" type="datetimeFigureOut">
               <a:rPr lang="en-US" smtClean="0"/>
-              <a:t>2/3/20</a:t>
+              <a:t>2/4/20</a:t>
             </a:fld>
             <a:endParaRPr lang="en-US"/>
           </a:p>
@@ -890,7 +890,7 @@
           <a:p>
             <a:fld id="{38AB4F8A-57AC-2245-A0B3-734C2C3A732A}" type="datetimeFigureOut">
               <a:rPr lang="en-US" smtClean="0"/>
-              <a:t>2/3/20</a:t>
+              <a:t>2/4/20</a:t>
             </a:fld>
             <a:endParaRPr lang="en-US"/>
           </a:p>
@@ -1165,7 +1165,7 @@
           <a:p>
             <a:fld id="{38AB4F8A-57AC-2245-A0B3-734C2C3A732A}" type="datetimeFigureOut">
               <a:rPr lang="en-US" smtClean="0"/>
-              <a:t>2/3/20</a:t>
+              <a:t>2/4/20</a:t>
             </a:fld>
             <a:endParaRPr lang="en-US"/>
           </a:p>
@@ -1430,7 +1430,7 @@
           <a:p>
             <a:fld id="{38AB4F8A-57AC-2245-A0B3-734C2C3A732A}" type="datetimeFigureOut">
               <a:rPr lang="en-US" smtClean="0"/>
-              <a:t>2/3/20</a:t>
+              <a:t>2/4/20</a:t>
             </a:fld>
             <a:endParaRPr lang="en-US"/>
           </a:p>
@@ -1842,7 +1842,7 @@
           <a:p>
             <a:fld id="{38AB4F8A-57AC-2245-A0B3-734C2C3A732A}" type="datetimeFigureOut">
               <a:rPr lang="en-US" smtClean="0"/>
-              <a:t>2/3/20</a:t>
+              <a:t>2/4/20</a:t>
             </a:fld>
             <a:endParaRPr lang="en-US"/>
           </a:p>
@@ -1983,7 +1983,7 @@
           <a:p>
             <a:fld id="{38AB4F8A-57AC-2245-A0B3-734C2C3A732A}" type="datetimeFigureOut">
               <a:rPr lang="en-US" smtClean="0"/>
-              <a:t>2/3/20</a:t>
+              <a:t>2/4/20</a:t>
             </a:fld>
             <a:endParaRPr lang="en-US"/>
           </a:p>
@@ -2096,7 +2096,7 @@
           <a:p>
             <a:fld id="{38AB4F8A-57AC-2245-A0B3-734C2C3A732A}" type="datetimeFigureOut">
               <a:rPr lang="en-US" smtClean="0"/>
-              <a:t>2/3/20</a:t>
+              <a:t>2/4/20</a:t>
             </a:fld>
             <a:endParaRPr lang="en-US"/>
           </a:p>
@@ -2407,7 +2407,7 @@
           <a:p>
             <a:fld id="{38AB4F8A-57AC-2245-A0B3-734C2C3A732A}" type="datetimeFigureOut">
               <a:rPr lang="en-US" smtClean="0"/>
-              <a:t>2/3/20</a:t>
+              <a:t>2/4/20</a:t>
             </a:fld>
             <a:endParaRPr lang="en-US"/>
           </a:p>
@@ -2695,7 +2695,7 @@
           <a:p>
             <a:fld id="{38AB4F8A-57AC-2245-A0B3-734C2C3A732A}" type="datetimeFigureOut">
               <a:rPr lang="en-US" smtClean="0"/>
-              <a:t>2/3/20</a:t>
+              <a:t>2/4/20</a:t>
             </a:fld>
             <a:endParaRPr lang="en-US"/>
           </a:p>
@@ -2936,7 +2936,7 @@
           <a:p>
             <a:fld id="{38AB4F8A-57AC-2245-A0B3-734C2C3A732A}" type="datetimeFigureOut">
               <a:rPr lang="en-US" smtClean="0"/>
-              <a:t>2/3/20</a:t>
+              <a:t>2/4/20</a:t>
             </a:fld>
             <a:endParaRPr lang="en-US"/>
           </a:p>
